--- a/src/powerpointgenerator/Assets/PolicyTemplate.pptx
+++ b/src/powerpointgenerator/Assets/PolicyTemplate.pptx
@@ -8,13 +8,14 @@
     <p:sldId id="260" r:id="rId2">
       <p:extLst>
         <p:ext uri="{E3EDB536-0D56-4F60-86BA-61A60CA02DAB}">
-          <p202:designTagLst xmlns:p202="http://schemas.microsoft.com/office/powerpoint/2020/02/main">
+          <p202:designTagLst xmlns="" xmlns:p202="http://schemas.microsoft.com/office/powerpoint/2020/02/main">
             <p202:designTag name="BPID" val="{C6E6426D-2491-47A8-88A2-38DF3ABB6023}"/>
           </p202:designTagLst>
         </p:ext>
       </p:extLst>
     </p:sldId>
-    <p:sldId id="273" r:id="rId3"/>
+    <p:sldId id="274" r:id="rId3"/>
+    <p:sldId id="273" r:id="rId4"/>
   </p:sldIdLst>
   <p:sldSz cx="12192000" cy="6858000"/>
   <p:notesSz cx="6858000" cy="9144000"/>
@@ -119,6 +120,7 @@
         <p14:section name="Overview" id="{F66BDD83-BC10-4E40-8998-DE84ADAAF773}">
           <p14:sldIdLst>
             <p14:sldId id="260"/>
+            <p14:sldId id="274"/>
             <p14:sldId id="273"/>
           </p14:sldIdLst>
         </p14:section>
@@ -262,7 +264,7 @@
           <a:p>
             <a:fld id="{CF5C660C-50E5-B242-B3EF-2B7C8DA67512}" type="datetimeFigureOut">
               <a:rPr lang="en-US" smtClean="0"/>
-              <a:t>10/30/23</a:t>
+              <a:t>10/31/23</a:t>
             </a:fld>
             <a:endParaRPr lang="en-US"/>
           </a:p>
@@ -432,7 +434,7 @@
           <a:p>
             <a:fld id="{CF5C660C-50E5-B242-B3EF-2B7C8DA67512}" type="datetimeFigureOut">
               <a:rPr lang="en-US" smtClean="0"/>
-              <a:t>10/30/23</a:t>
+              <a:t>10/31/23</a:t>
             </a:fld>
             <a:endParaRPr lang="en-US"/>
           </a:p>
@@ -612,7 +614,7 @@
           <a:p>
             <a:fld id="{CF5C660C-50E5-B242-B3EF-2B7C8DA67512}" type="datetimeFigureOut">
               <a:rPr lang="en-US" smtClean="0"/>
-              <a:t>10/30/23</a:t>
+              <a:t>10/31/23</a:t>
             </a:fld>
             <a:endParaRPr lang="en-US"/>
           </a:p>
@@ -782,7 +784,7 @@
           <a:p>
             <a:fld id="{CF5C660C-50E5-B242-B3EF-2B7C8DA67512}" type="datetimeFigureOut">
               <a:rPr lang="en-US" smtClean="0"/>
-              <a:t>10/30/23</a:t>
+              <a:t>10/31/23</a:t>
             </a:fld>
             <a:endParaRPr lang="en-US"/>
           </a:p>
@@ -1028,7 +1030,7 @@
           <a:p>
             <a:fld id="{CF5C660C-50E5-B242-B3EF-2B7C8DA67512}" type="datetimeFigureOut">
               <a:rPr lang="en-US" smtClean="0"/>
-              <a:t>10/30/23</a:t>
+              <a:t>10/31/23</a:t>
             </a:fld>
             <a:endParaRPr lang="en-US"/>
           </a:p>
@@ -1260,7 +1262,7 @@
           <a:p>
             <a:fld id="{CF5C660C-50E5-B242-B3EF-2B7C8DA67512}" type="datetimeFigureOut">
               <a:rPr lang="en-US" smtClean="0"/>
-              <a:t>10/30/23</a:t>
+              <a:t>10/31/23</a:t>
             </a:fld>
             <a:endParaRPr lang="en-US"/>
           </a:p>
@@ -1627,7 +1629,7 @@
           <a:p>
             <a:fld id="{CF5C660C-50E5-B242-B3EF-2B7C8DA67512}" type="datetimeFigureOut">
               <a:rPr lang="en-US" smtClean="0"/>
-              <a:t>10/30/23</a:t>
+              <a:t>10/31/23</a:t>
             </a:fld>
             <a:endParaRPr lang="en-US"/>
           </a:p>
@@ -1745,7 +1747,7 @@
           <a:p>
             <a:fld id="{CF5C660C-50E5-B242-B3EF-2B7C8DA67512}" type="datetimeFigureOut">
               <a:rPr lang="en-US" smtClean="0"/>
-              <a:t>10/30/23</a:t>
+              <a:t>10/31/23</a:t>
             </a:fld>
             <a:endParaRPr lang="en-US"/>
           </a:p>
@@ -1840,7 +1842,7 @@
           <a:p>
             <a:fld id="{CF5C660C-50E5-B242-B3EF-2B7C8DA67512}" type="datetimeFigureOut">
               <a:rPr lang="en-US" smtClean="0"/>
-              <a:t>10/30/23</a:t>
+              <a:t>10/31/23</a:t>
             </a:fld>
             <a:endParaRPr lang="en-US"/>
           </a:p>
@@ -2117,7 +2119,7 @@
           <a:p>
             <a:fld id="{CF5C660C-50E5-B242-B3EF-2B7C8DA67512}" type="datetimeFigureOut">
               <a:rPr lang="en-US" smtClean="0"/>
-              <a:t>10/30/23</a:t>
+              <a:t>10/31/23</a:t>
             </a:fld>
             <a:endParaRPr lang="en-US"/>
           </a:p>
@@ -2374,7 +2376,7 @@
           <a:p>
             <a:fld id="{CF5C660C-50E5-B242-B3EF-2B7C8DA67512}" type="datetimeFigureOut">
               <a:rPr lang="en-US" smtClean="0"/>
-              <a:t>10/30/23</a:t>
+              <a:t>10/31/23</a:t>
             </a:fld>
             <a:endParaRPr lang="en-US"/>
           </a:p>
@@ -2587,7 +2589,7 @@
           <a:p>
             <a:fld id="{CF5C660C-50E5-B242-B3EF-2B7C8DA67512}" type="datetimeFigureOut">
               <a:rPr lang="en-US" smtClean="0"/>
-              <a:t>10/30/23</a:t>
+              <a:t>10/31/23</a:t>
             </a:fld>
             <a:endParaRPr lang="en-US"/>
           </a:p>
@@ -4131,6 +4133,89 @@
       </p:grpSpPr>
       <p:sp>
         <p:nvSpPr>
+          <p:cNvPr id="2" name="Title 1">
+            <a:extLst>
+              <a:ext uri="{FF2B5EF4-FFF2-40B4-BE49-F238E27FC236}">
+                <a16:creationId xmlns:a16="http://schemas.microsoft.com/office/drawing/2014/main" id="{C7CC91D7-969A-840B-E0EB-67A4D664129A}"/>
+              </a:ext>
+            </a:extLst>
+          </p:cNvPr>
+          <p:cNvSpPr>
+            <a:spLocks noGrp="1"/>
+          </p:cNvSpPr>
+          <p:nvPr>
+            <p:ph type="title"/>
+          </p:nvPr>
+        </p:nvSpPr>
+        <p:spPr/>
+        <p:txBody>
+          <a:bodyPr/>
+          <a:lstStyle/>
+          <a:p>
+            <a:r>
+              <a:rPr lang="en-US" dirty="0"/>
+              <a:t>Table of contents</a:t>
+            </a:r>
+          </a:p>
+        </p:txBody>
+      </p:sp>
+      <p:sp>
+        <p:nvSpPr>
+          <p:cNvPr id="3" name="ShapeToc">
+            <a:extLst>
+              <a:ext uri="{FF2B5EF4-FFF2-40B4-BE49-F238E27FC236}">
+                <a16:creationId xmlns:a16="http://schemas.microsoft.com/office/drawing/2014/main" id="{FA63179B-7ADF-B58E-28CC-0C0D40BBA264}"/>
+              </a:ext>
+            </a:extLst>
+          </p:cNvPr>
+          <p:cNvSpPr>
+            <a:spLocks noGrp="1"/>
+          </p:cNvSpPr>
+          <p:nvPr>
+            <p:ph idx="1"/>
+          </p:nvPr>
+        </p:nvSpPr>
+        <p:spPr/>
+        <p:txBody>
+          <a:bodyPr/>
+          <a:lstStyle/>
+          <a:p>
+            <a:endParaRPr lang="en-US" dirty="0"/>
+          </a:p>
+        </p:txBody>
+      </p:sp>
+    </p:spTree>
+    <p:extLst>
+      <p:ext uri="{BB962C8B-B14F-4D97-AF65-F5344CB8AC3E}">
+        <p14:creationId xmlns:p14="http://schemas.microsoft.com/office/powerpoint/2010/main" val="2475723869"/>
+      </p:ext>
+    </p:extLst>
+  </p:cSld>
+  <p:clrMapOvr>
+    <a:masterClrMapping/>
+  </p:clrMapOvr>
+</p:sld>
+</file>
+
+<file path=ppt/slides/slide3.xml><?xml version="1.0" encoding="utf-8"?>
+<p:sld xmlns:a="http://schemas.openxmlformats.org/drawingml/2006/main" xmlns:r="http://schemas.openxmlformats.org/officeDocument/2006/relationships" xmlns:p="http://schemas.openxmlformats.org/presentationml/2006/main">
+  <p:cSld>
+    <p:spTree>
+      <p:nvGrpSpPr>
+        <p:cNvPr id="1" name=""/>
+        <p:cNvGrpSpPr/>
+        <p:nvPr/>
+      </p:nvGrpSpPr>
+      <p:grpSpPr>
+        <a:xfrm>
+          <a:off x="0" y="0"/>
+          <a:ext cx="0" cy="0"/>
+          <a:chOff x="0" y="0"/>
+          <a:chExt cx="0" cy="0"/>
+        </a:xfrm>
+      </p:grpSpPr>
+      <p:sp>
+        <p:nvSpPr>
           <p:cNvPr id="4" name="UserWorkload">
             <a:extLst>
               <a:ext uri="{FF2B5EF4-FFF2-40B4-BE49-F238E27FC236}">

--- a/src/powerpointgenerator/Assets/PolicyTemplate.pptx
+++ b/src/powerpointgenerator/Assets/PolicyTemplate.pptx
@@ -4,6 +4,9 @@
   <p:sldMasterIdLst>
     <p:sldMasterId id="2147483708" r:id="rId1"/>
   </p:sldMasterIdLst>
+  <p:notesMasterIdLst>
+    <p:notesMasterId r:id="rId5"/>
+  </p:notesMasterIdLst>
   <p:sldIdLst>
     <p:sldId id="260" r:id="rId2">
       <p:extLst>
@@ -133,6 +136,356 @@
 </p:presentation>
 </file>
 
+<file path=ppt/notesMasters/notesMaster1.xml><?xml version="1.0" encoding="utf-8"?>
+<p:notesMaster xmlns:a="http://schemas.openxmlformats.org/drawingml/2006/main" xmlns:r="http://schemas.openxmlformats.org/officeDocument/2006/relationships" xmlns:p="http://schemas.openxmlformats.org/presentationml/2006/main">
+  <p:cSld>
+    <p:bg>
+      <p:bgRef idx="1001">
+        <a:schemeClr val="bg1"/>
+      </p:bgRef>
+    </p:bg>
+    <p:spTree>
+      <p:nvGrpSpPr>
+        <p:cNvPr id="1" name=""/>
+        <p:cNvGrpSpPr/>
+        <p:nvPr/>
+      </p:nvGrpSpPr>
+      <p:grpSpPr>
+        <a:xfrm>
+          <a:off x="0" y="0"/>
+          <a:ext cx="0" cy="0"/>
+          <a:chOff x="0" y="0"/>
+          <a:chExt cx="0" cy="0"/>
+        </a:xfrm>
+      </p:grpSpPr>
+      <p:sp>
+        <p:nvSpPr>
+          <p:cNvPr id="2" name="Header Placeholder 1"/>
+          <p:cNvSpPr>
+            <a:spLocks noGrp="1"/>
+          </p:cNvSpPr>
+          <p:nvPr>
+            <p:ph type="hdr" sz="quarter"/>
+          </p:nvPr>
+        </p:nvSpPr>
+        <p:spPr>
+          <a:xfrm>
+            <a:off x="0" y="0"/>
+            <a:ext cx="2971800" cy="458788"/>
+          </a:xfrm>
+          <a:prstGeom prst="rect">
+            <a:avLst/>
+          </a:prstGeom>
+        </p:spPr>
+        <p:txBody>
+          <a:bodyPr vert="horz" lIns="91440" tIns="45720" rIns="91440" bIns="45720" rtlCol="0"/>
+          <a:lstStyle>
+            <a:lvl1pPr algn="l">
+              <a:defRPr sz="1200"/>
+            </a:lvl1pPr>
+          </a:lstStyle>
+          <a:p>
+            <a:endParaRPr lang="en-US"/>
+          </a:p>
+        </p:txBody>
+      </p:sp>
+      <p:sp>
+        <p:nvSpPr>
+          <p:cNvPr id="3" name="Date Placeholder 2"/>
+          <p:cNvSpPr>
+            <a:spLocks noGrp="1"/>
+          </p:cNvSpPr>
+          <p:nvPr>
+            <p:ph type="dt" idx="1"/>
+          </p:nvPr>
+        </p:nvSpPr>
+        <p:spPr>
+          <a:xfrm>
+            <a:off x="3884613" y="0"/>
+            <a:ext cx="2971800" cy="458788"/>
+          </a:xfrm>
+          <a:prstGeom prst="rect">
+            <a:avLst/>
+          </a:prstGeom>
+        </p:spPr>
+        <p:txBody>
+          <a:bodyPr vert="horz" lIns="91440" tIns="45720" rIns="91440" bIns="45720" rtlCol="0"/>
+          <a:lstStyle>
+            <a:lvl1pPr algn="r">
+              <a:defRPr sz="1200"/>
+            </a:lvl1pPr>
+          </a:lstStyle>
+          <a:p>
+            <a:fld id="{2F281788-CA3B-2247-B985-AC6E6519CCF2}" type="datetimeFigureOut">
+              <a:rPr lang="en-US" smtClean="0"/>
+              <a:t>11/24/23</a:t>
+            </a:fld>
+            <a:endParaRPr lang="en-US"/>
+          </a:p>
+        </p:txBody>
+      </p:sp>
+      <p:sp>
+        <p:nvSpPr>
+          <p:cNvPr id="4" name="Slide Image Placeholder 3"/>
+          <p:cNvSpPr>
+            <a:spLocks noGrp="1" noRot="1" noChangeAspect="1"/>
+          </p:cNvSpPr>
+          <p:nvPr>
+            <p:ph type="sldImg" idx="2"/>
+          </p:nvPr>
+        </p:nvSpPr>
+        <p:spPr>
+          <a:xfrm>
+            <a:off x="685800" y="1143000"/>
+            <a:ext cx="5486400" cy="3086100"/>
+          </a:xfrm>
+          <a:prstGeom prst="rect">
+            <a:avLst/>
+          </a:prstGeom>
+          <a:noFill/>
+          <a:ln w="12700">
+            <a:solidFill>
+              <a:prstClr val="black"/>
+            </a:solidFill>
+          </a:ln>
+        </p:spPr>
+        <p:txBody>
+          <a:bodyPr vert="horz" lIns="91440" tIns="45720" rIns="91440" bIns="45720" rtlCol="0" anchor="ctr"/>
+          <a:lstStyle/>
+          <a:p>
+            <a:endParaRPr lang="en-US"/>
+          </a:p>
+        </p:txBody>
+      </p:sp>
+      <p:sp>
+        <p:nvSpPr>
+          <p:cNvPr id="5" name="Notes Placeholder 4"/>
+          <p:cNvSpPr>
+            <a:spLocks noGrp="1"/>
+          </p:cNvSpPr>
+          <p:nvPr>
+            <p:ph type="body" sz="quarter" idx="3"/>
+          </p:nvPr>
+        </p:nvSpPr>
+        <p:spPr>
+          <a:xfrm>
+            <a:off x="685800" y="4400550"/>
+            <a:ext cx="5486400" cy="3600450"/>
+          </a:xfrm>
+          <a:prstGeom prst="rect">
+            <a:avLst/>
+          </a:prstGeom>
+        </p:spPr>
+        <p:txBody>
+          <a:bodyPr vert="horz" lIns="91440" tIns="45720" rIns="91440" bIns="45720" rtlCol="0"/>
+          <a:lstStyle/>
+          <a:p>
+            <a:pPr lvl="0"/>
+            <a:r>
+              <a:rPr lang="en-GB"/>
+              <a:t>Click to edit Master text styles</a:t>
+            </a:r>
+          </a:p>
+          <a:p>
+            <a:pPr lvl="1"/>
+            <a:r>
+              <a:rPr lang="en-GB"/>
+              <a:t>Second level</a:t>
+            </a:r>
+          </a:p>
+          <a:p>
+            <a:pPr lvl="2"/>
+            <a:r>
+              <a:rPr lang="en-GB"/>
+              <a:t>Third level</a:t>
+            </a:r>
+          </a:p>
+          <a:p>
+            <a:pPr lvl="3"/>
+            <a:r>
+              <a:rPr lang="en-GB"/>
+              <a:t>Fourth level</a:t>
+            </a:r>
+          </a:p>
+          <a:p>
+            <a:pPr lvl="4"/>
+            <a:r>
+              <a:rPr lang="en-GB"/>
+              <a:t>Fifth level</a:t>
+            </a:r>
+            <a:endParaRPr lang="en-US"/>
+          </a:p>
+        </p:txBody>
+      </p:sp>
+      <p:sp>
+        <p:nvSpPr>
+          <p:cNvPr id="6" name="Footer Placeholder 5"/>
+          <p:cNvSpPr>
+            <a:spLocks noGrp="1"/>
+          </p:cNvSpPr>
+          <p:nvPr>
+            <p:ph type="ftr" sz="quarter" idx="4"/>
+          </p:nvPr>
+        </p:nvSpPr>
+        <p:spPr>
+          <a:xfrm>
+            <a:off x="0" y="8685213"/>
+            <a:ext cx="2971800" cy="458787"/>
+          </a:xfrm>
+          <a:prstGeom prst="rect">
+            <a:avLst/>
+          </a:prstGeom>
+        </p:spPr>
+        <p:txBody>
+          <a:bodyPr vert="horz" lIns="91440" tIns="45720" rIns="91440" bIns="45720" rtlCol="0" anchor="b"/>
+          <a:lstStyle>
+            <a:lvl1pPr algn="l">
+              <a:defRPr sz="1200"/>
+            </a:lvl1pPr>
+          </a:lstStyle>
+          <a:p>
+            <a:endParaRPr lang="en-US"/>
+          </a:p>
+        </p:txBody>
+      </p:sp>
+      <p:sp>
+        <p:nvSpPr>
+          <p:cNvPr id="7" name="Slide Number Placeholder 6"/>
+          <p:cNvSpPr>
+            <a:spLocks noGrp="1"/>
+          </p:cNvSpPr>
+          <p:nvPr>
+            <p:ph type="sldNum" sz="quarter" idx="5"/>
+          </p:nvPr>
+        </p:nvSpPr>
+        <p:spPr>
+          <a:xfrm>
+            <a:off x="3884613" y="8685213"/>
+            <a:ext cx="2971800" cy="458787"/>
+          </a:xfrm>
+          <a:prstGeom prst="rect">
+            <a:avLst/>
+          </a:prstGeom>
+        </p:spPr>
+        <p:txBody>
+          <a:bodyPr vert="horz" lIns="91440" tIns="45720" rIns="91440" bIns="45720" rtlCol="0" anchor="b"/>
+          <a:lstStyle>
+            <a:lvl1pPr algn="r">
+              <a:defRPr sz="1200"/>
+            </a:lvl1pPr>
+          </a:lstStyle>
+          <a:p>
+            <a:fld id="{F5767182-4AC1-424E-815A-5E703BDC7728}" type="slidenum">
+              <a:rPr lang="en-US" smtClean="0"/>
+              <a:t>‹#›</a:t>
+            </a:fld>
+            <a:endParaRPr lang="en-US"/>
+          </a:p>
+        </p:txBody>
+      </p:sp>
+    </p:spTree>
+    <p:extLst>
+      <p:ext uri="{BB962C8B-B14F-4D97-AF65-F5344CB8AC3E}">
+        <p14:creationId xmlns:p14="http://schemas.microsoft.com/office/powerpoint/2010/main" val="3066405793"/>
+      </p:ext>
+    </p:extLst>
+  </p:cSld>
+  <p:clrMap bg1="lt1" tx1="dk1" bg2="lt2" tx2="dk2" accent1="accent1" accent2="accent2" accent3="accent3" accent4="accent4" accent5="accent5" accent6="accent6" hlink="hlink" folHlink="folHlink"/>
+  <p:notesStyle>
+    <a:lvl1pPr marL="0" algn="l" defTabSz="914400" rtl="0" eaLnBrk="1" latinLnBrk="0" hangingPunct="1">
+      <a:defRPr sz="1200" kern="1200">
+        <a:solidFill>
+          <a:schemeClr val="tx1"/>
+        </a:solidFill>
+        <a:latin typeface="+mn-lt"/>
+        <a:ea typeface="+mn-ea"/>
+        <a:cs typeface="+mn-cs"/>
+      </a:defRPr>
+    </a:lvl1pPr>
+    <a:lvl2pPr marL="457200" algn="l" defTabSz="914400" rtl="0" eaLnBrk="1" latinLnBrk="0" hangingPunct="1">
+      <a:defRPr sz="1200" kern="1200">
+        <a:solidFill>
+          <a:schemeClr val="tx1"/>
+        </a:solidFill>
+        <a:latin typeface="+mn-lt"/>
+        <a:ea typeface="+mn-ea"/>
+        <a:cs typeface="+mn-cs"/>
+      </a:defRPr>
+    </a:lvl2pPr>
+    <a:lvl3pPr marL="914400" algn="l" defTabSz="914400" rtl="0" eaLnBrk="1" latinLnBrk="0" hangingPunct="1">
+      <a:defRPr sz="1200" kern="1200">
+        <a:solidFill>
+          <a:schemeClr val="tx1"/>
+        </a:solidFill>
+        <a:latin typeface="+mn-lt"/>
+        <a:ea typeface="+mn-ea"/>
+        <a:cs typeface="+mn-cs"/>
+      </a:defRPr>
+    </a:lvl3pPr>
+    <a:lvl4pPr marL="1371600" algn="l" defTabSz="914400" rtl="0" eaLnBrk="1" latinLnBrk="0" hangingPunct="1">
+      <a:defRPr sz="1200" kern="1200">
+        <a:solidFill>
+          <a:schemeClr val="tx1"/>
+        </a:solidFill>
+        <a:latin typeface="+mn-lt"/>
+        <a:ea typeface="+mn-ea"/>
+        <a:cs typeface="+mn-cs"/>
+      </a:defRPr>
+    </a:lvl4pPr>
+    <a:lvl5pPr marL="1828800" algn="l" defTabSz="914400" rtl="0" eaLnBrk="1" latinLnBrk="0" hangingPunct="1">
+      <a:defRPr sz="1200" kern="1200">
+        <a:solidFill>
+          <a:schemeClr val="tx1"/>
+        </a:solidFill>
+        <a:latin typeface="+mn-lt"/>
+        <a:ea typeface="+mn-ea"/>
+        <a:cs typeface="+mn-cs"/>
+      </a:defRPr>
+    </a:lvl5pPr>
+    <a:lvl6pPr marL="2286000" algn="l" defTabSz="914400" rtl="0" eaLnBrk="1" latinLnBrk="0" hangingPunct="1">
+      <a:defRPr sz="1200" kern="1200">
+        <a:solidFill>
+          <a:schemeClr val="tx1"/>
+        </a:solidFill>
+        <a:latin typeface="+mn-lt"/>
+        <a:ea typeface="+mn-ea"/>
+        <a:cs typeface="+mn-cs"/>
+      </a:defRPr>
+    </a:lvl6pPr>
+    <a:lvl7pPr marL="2743200" algn="l" defTabSz="914400" rtl="0" eaLnBrk="1" latinLnBrk="0" hangingPunct="1">
+      <a:defRPr sz="1200" kern="1200">
+        <a:solidFill>
+          <a:schemeClr val="tx1"/>
+        </a:solidFill>
+        <a:latin typeface="+mn-lt"/>
+        <a:ea typeface="+mn-ea"/>
+        <a:cs typeface="+mn-cs"/>
+      </a:defRPr>
+    </a:lvl7pPr>
+    <a:lvl8pPr marL="3200400" algn="l" defTabSz="914400" rtl="0" eaLnBrk="1" latinLnBrk="0" hangingPunct="1">
+      <a:defRPr sz="1200" kern="1200">
+        <a:solidFill>
+          <a:schemeClr val="tx1"/>
+        </a:solidFill>
+        <a:latin typeface="+mn-lt"/>
+        <a:ea typeface="+mn-ea"/>
+        <a:cs typeface="+mn-cs"/>
+      </a:defRPr>
+    </a:lvl8pPr>
+    <a:lvl9pPr marL="3657600" algn="l" defTabSz="914400" rtl="0" eaLnBrk="1" latinLnBrk="0" hangingPunct="1">
+      <a:defRPr sz="1200" kern="1200">
+        <a:solidFill>
+          <a:schemeClr val="tx1"/>
+        </a:solidFill>
+        <a:latin typeface="+mn-lt"/>
+        <a:ea typeface="+mn-ea"/>
+        <a:cs typeface="+mn-cs"/>
+      </a:defRPr>
+    </a:lvl9pPr>
+  </p:notesStyle>
+</p:notesMaster>
+</file>
+
 <file path=ppt/slideLayouts/slideLayout1.xml><?xml version="1.0" encoding="utf-8"?>
 <p:sldLayout xmlns:a="http://schemas.openxmlformats.org/drawingml/2006/main" xmlns:r="http://schemas.openxmlformats.org/officeDocument/2006/relationships" xmlns:p="http://schemas.openxmlformats.org/presentationml/2006/main" type="title" preserve="1">
   <p:cSld name="Title Slide">
@@ -264,7 +617,7 @@
           <a:p>
             <a:fld id="{CF5C660C-50E5-B242-B3EF-2B7C8DA67512}" type="datetimeFigureOut">
               <a:rPr lang="en-US" smtClean="0"/>
-              <a:t>10/31/23</a:t>
+              <a:t>11/24/23</a:t>
             </a:fld>
             <a:endParaRPr lang="en-US"/>
           </a:p>
@@ -434,7 +787,7 @@
           <a:p>
             <a:fld id="{CF5C660C-50E5-B242-B3EF-2B7C8DA67512}" type="datetimeFigureOut">
               <a:rPr lang="en-US" smtClean="0"/>
-              <a:t>10/31/23</a:t>
+              <a:t>11/24/23</a:t>
             </a:fld>
             <a:endParaRPr lang="en-US"/>
           </a:p>
@@ -614,7 +967,7 @@
           <a:p>
             <a:fld id="{CF5C660C-50E5-B242-B3EF-2B7C8DA67512}" type="datetimeFigureOut">
               <a:rPr lang="en-US" smtClean="0"/>
-              <a:t>10/31/23</a:t>
+              <a:t>11/24/23</a:t>
             </a:fld>
             <a:endParaRPr lang="en-US"/>
           </a:p>
@@ -784,7 +1137,7 @@
           <a:p>
             <a:fld id="{CF5C660C-50E5-B242-B3EF-2B7C8DA67512}" type="datetimeFigureOut">
               <a:rPr lang="en-US" smtClean="0"/>
-              <a:t>10/31/23</a:t>
+              <a:t>11/24/23</a:t>
             </a:fld>
             <a:endParaRPr lang="en-US"/>
           </a:p>
@@ -1030,7 +1383,7 @@
           <a:p>
             <a:fld id="{CF5C660C-50E5-B242-B3EF-2B7C8DA67512}" type="datetimeFigureOut">
               <a:rPr lang="en-US" smtClean="0"/>
-              <a:t>10/31/23</a:t>
+              <a:t>11/24/23</a:t>
             </a:fld>
             <a:endParaRPr lang="en-US"/>
           </a:p>
@@ -1262,7 +1615,7 @@
           <a:p>
             <a:fld id="{CF5C660C-50E5-B242-B3EF-2B7C8DA67512}" type="datetimeFigureOut">
               <a:rPr lang="en-US" smtClean="0"/>
-              <a:t>10/31/23</a:t>
+              <a:t>11/24/23</a:t>
             </a:fld>
             <a:endParaRPr lang="en-US"/>
           </a:p>
@@ -1629,7 +1982,7 @@
           <a:p>
             <a:fld id="{CF5C660C-50E5-B242-B3EF-2B7C8DA67512}" type="datetimeFigureOut">
               <a:rPr lang="en-US" smtClean="0"/>
-              <a:t>10/31/23</a:t>
+              <a:t>11/24/23</a:t>
             </a:fld>
             <a:endParaRPr lang="en-US"/>
           </a:p>
@@ -1747,7 +2100,7 @@
           <a:p>
             <a:fld id="{CF5C660C-50E5-B242-B3EF-2B7C8DA67512}" type="datetimeFigureOut">
               <a:rPr lang="en-US" smtClean="0"/>
-              <a:t>10/31/23</a:t>
+              <a:t>11/24/23</a:t>
             </a:fld>
             <a:endParaRPr lang="en-US"/>
           </a:p>
@@ -1842,7 +2195,7 @@
           <a:p>
             <a:fld id="{CF5C660C-50E5-B242-B3EF-2B7C8DA67512}" type="datetimeFigureOut">
               <a:rPr lang="en-US" smtClean="0"/>
-              <a:t>10/31/23</a:t>
+              <a:t>11/24/23</a:t>
             </a:fld>
             <a:endParaRPr lang="en-US"/>
           </a:p>
@@ -2119,7 +2472,7 @@
           <a:p>
             <a:fld id="{CF5C660C-50E5-B242-B3EF-2B7C8DA67512}" type="datetimeFigureOut">
               <a:rPr lang="en-US" smtClean="0"/>
-              <a:t>10/31/23</a:t>
+              <a:t>11/24/23</a:t>
             </a:fld>
             <a:endParaRPr lang="en-US"/>
           </a:p>
@@ -2376,7 +2729,7 @@
           <a:p>
             <a:fld id="{CF5C660C-50E5-B242-B3EF-2B7C8DA67512}" type="datetimeFigureOut">
               <a:rPr lang="en-US" smtClean="0"/>
-              <a:t>10/31/23</a:t>
+              <a:t>11/24/23</a:t>
             </a:fld>
             <a:endParaRPr lang="en-US"/>
           </a:p>
@@ -2589,7 +2942,7 @@
           <a:p>
             <a:fld id="{CF5C660C-50E5-B242-B3EF-2B7C8DA67512}" type="datetimeFigureOut">
               <a:rPr lang="en-US" smtClean="0"/>
-              <a:t>10/31/23</a:t>
+              <a:t>11/24/23</a:t>
             </a:fld>
             <a:endParaRPr lang="en-US"/>
           </a:p>
@@ -4159,31 +4512,147 @@
           </a:p>
         </p:txBody>
       </p:sp>
-      <p:sp>
-        <p:nvSpPr>
-          <p:cNvPr id="3" name="ShapeToc">
-            <a:extLst>
-              <a:ext uri="{FF2B5EF4-FFF2-40B4-BE49-F238E27FC236}">
-                <a16:creationId xmlns:a16="http://schemas.microsoft.com/office/drawing/2014/main" id="{FA63179B-7ADF-B58E-28CC-0C0D40BBA264}"/>
-              </a:ext>
-            </a:extLst>
-          </p:cNvPr>
-          <p:cNvSpPr>
-            <a:spLocks noGrp="1"/>
-          </p:cNvSpPr>
+      <p:graphicFrame>
+        <p:nvGraphicFramePr>
+          <p:cNvPr id="4" name="TableToc">
+            <a:extLst>
+              <a:ext uri="{FF2B5EF4-FFF2-40B4-BE49-F238E27FC236}">
+                <a16:creationId xmlns:a16="http://schemas.microsoft.com/office/drawing/2014/main" id="{60968FE1-0F5B-173F-0B5F-F12BBA166A04}"/>
+              </a:ext>
+            </a:extLst>
+          </p:cNvPr>
+          <p:cNvGraphicFramePr>
+            <a:graphicFrameLocks noGrp="1"/>
+          </p:cNvGraphicFramePr>
           <p:nvPr>
             <p:ph idx="1"/>
+            <p:extLst>
+              <p:ext uri="{D42A27DB-BD31-4B8C-83A1-F6EECF244321}">
+                <p14:modId xmlns:p14="http://schemas.microsoft.com/office/powerpoint/2010/main" val="1652480640"/>
+              </p:ext>
+            </p:extLst>
           </p:nvPr>
-        </p:nvSpPr>
-        <p:spPr/>
-        <p:txBody>
-          <a:bodyPr/>
-          <a:lstStyle/>
-          <a:p>
-            <a:endParaRPr lang="en-US" dirty="0"/>
-          </a:p>
-        </p:txBody>
-      </p:sp>
+        </p:nvGraphicFramePr>
+        <p:xfrm>
+          <a:off x="838200" y="1825625"/>
+          <a:ext cx="10515597" cy="741680"/>
+        </p:xfrm>
+        <a:graphic>
+          <a:graphicData uri="http://schemas.openxmlformats.org/drawingml/2006/table">
+            <a:tbl>
+              <a:tblPr firstRow="1" bandRow="1">
+                <a:tableStyleId>{5C22544A-7EE6-4342-B048-85BDC9FD1C3A}</a:tableStyleId>
+              </a:tblPr>
+              <a:tblGrid>
+                <a:gridCol w="1268506">
+                  <a:extLst>
+                    <a:ext uri="{9D8B030D-6E8A-4147-A177-3AD203B41FA5}">
+                      <a16:colId xmlns:a16="http://schemas.microsoft.com/office/drawing/2014/main" val="3417700356"/>
+                    </a:ext>
+                  </a:extLst>
+                </a:gridCol>
+                <a:gridCol w="7879976">
+                  <a:extLst>
+                    <a:ext uri="{9D8B030D-6E8A-4147-A177-3AD203B41FA5}">
+                      <a16:colId xmlns:a16="http://schemas.microsoft.com/office/drawing/2014/main" val="3218732045"/>
+                    </a:ext>
+                  </a:extLst>
+                </a:gridCol>
+                <a:gridCol w="1367115">
+                  <a:extLst>
+                    <a:ext uri="{9D8B030D-6E8A-4147-A177-3AD203B41FA5}">
+                      <a16:colId xmlns:a16="http://schemas.microsoft.com/office/drawing/2014/main" val="1784497122"/>
+                    </a:ext>
+                  </a:extLst>
+                </a:gridCol>
+              </a:tblGrid>
+              <a:tr h="370840">
+                <a:tc>
+                  <a:txBody>
+                    <a:bodyPr/>
+                    <a:lstStyle/>
+                    <a:p>
+                      <a:r>
+                        <a:rPr lang="en-US" dirty="0"/>
+                        <a:t>#</a:t>
+                      </a:r>
+                    </a:p>
+                  </a:txBody>
+                  <a:tcPr/>
+                </a:tc>
+                <a:tc>
+                  <a:txBody>
+                    <a:bodyPr/>
+                    <a:lstStyle/>
+                    <a:p>
+                      <a:r>
+                        <a:rPr lang="en-US" dirty="0"/>
+                        <a:t>Policy</a:t>
+                      </a:r>
+                    </a:p>
+                  </a:txBody>
+                  <a:tcPr/>
+                </a:tc>
+                <a:tc>
+                  <a:txBody>
+                    <a:bodyPr/>
+                    <a:lstStyle/>
+                    <a:p>
+                      <a:r>
+                        <a:rPr lang="en-US" dirty="0"/>
+                        <a:t>State</a:t>
+                      </a:r>
+                    </a:p>
+                  </a:txBody>
+                  <a:tcPr/>
+                </a:tc>
+                <a:extLst>
+                  <a:ext uri="{0D108BD9-81ED-4DB2-BD59-A6C34878D82A}">
+                    <a16:rowId xmlns:a16="http://schemas.microsoft.com/office/drawing/2014/main" val="779335071"/>
+                  </a:ext>
+                </a:extLst>
+              </a:tr>
+              <a:tr h="370840">
+                <a:tc>
+                  <a:txBody>
+                    <a:bodyPr/>
+                    <a:lstStyle/>
+                    <a:p>
+                      <a:endParaRPr lang="en-US" dirty="0"/>
+                    </a:p>
+                  </a:txBody>
+                  <a:tcPr/>
+                </a:tc>
+                <a:tc>
+                  <a:txBody>
+                    <a:bodyPr/>
+                    <a:lstStyle/>
+                    <a:p>
+                      <a:endParaRPr lang="en-US" dirty="0"/>
+                    </a:p>
+                  </a:txBody>
+                  <a:tcPr/>
+                </a:tc>
+                <a:tc>
+                  <a:txBody>
+                    <a:bodyPr/>
+                    <a:lstStyle/>
+                    <a:p>
+                      <a:endParaRPr lang="en-US" dirty="0"/>
+                    </a:p>
+                  </a:txBody>
+                  <a:tcPr/>
+                </a:tc>
+                <a:extLst>
+                  <a:ext uri="{0D108BD9-81ED-4DB2-BD59-A6C34878D82A}">
+                    <a16:rowId xmlns:a16="http://schemas.microsoft.com/office/drawing/2014/main" val="2840313176"/>
+                  </a:ext>
+                </a:extLst>
+              </a:tr>
+            </a:tbl>
+          </a:graphicData>
+        </a:graphic>
+      </p:graphicFrame>
     </p:spTree>
     <p:extLst>
       <p:ext uri="{BB962C8B-B14F-4D97-AF65-F5344CB8AC3E}">
@@ -9334,6 +9803,301 @@
 </a:theme>
 </file>
 
+<file path=ppt/theme/theme2.xml><?xml version="1.0" encoding="utf-8"?>
+<a:theme xmlns:a="http://schemas.openxmlformats.org/drawingml/2006/main" name="Office Theme">
+  <a:themeElements>
+    <a:clrScheme name="Office">
+      <a:dk1>
+        <a:sysClr val="windowText" lastClr="000000"/>
+      </a:dk1>
+      <a:lt1>
+        <a:sysClr val="window" lastClr="FFFFFF"/>
+      </a:lt1>
+      <a:dk2>
+        <a:srgbClr val="44546A"/>
+      </a:dk2>
+      <a:lt2>
+        <a:srgbClr val="E7E6E6"/>
+      </a:lt2>
+      <a:accent1>
+        <a:srgbClr val="4472C4"/>
+      </a:accent1>
+      <a:accent2>
+        <a:srgbClr val="ED7D31"/>
+      </a:accent2>
+      <a:accent3>
+        <a:srgbClr val="A5A5A5"/>
+      </a:accent3>
+      <a:accent4>
+        <a:srgbClr val="FFC000"/>
+      </a:accent4>
+      <a:accent5>
+        <a:srgbClr val="5B9BD5"/>
+      </a:accent5>
+      <a:accent6>
+        <a:srgbClr val="70AD47"/>
+      </a:accent6>
+      <a:hlink>
+        <a:srgbClr val="0563C1"/>
+      </a:hlink>
+      <a:folHlink>
+        <a:srgbClr val="954F72"/>
+      </a:folHlink>
+    </a:clrScheme>
+    <a:fontScheme name="Office">
+      <a:majorFont>
+        <a:latin typeface="Calibri Light" panose="020F0302020204030204"/>
+        <a:ea typeface=""/>
+        <a:cs typeface=""/>
+        <a:font script="Jpan" typeface="游ゴシック Light"/>
+        <a:font script="Hang" typeface="맑은 고딕"/>
+        <a:font script="Hans" typeface="等线 Light"/>
+        <a:font script="Hant" typeface="新細明體"/>
+        <a:font script="Arab" typeface="Times New Roman"/>
+        <a:font script="Hebr" typeface="Times New Roman"/>
+        <a:font script="Thai" typeface="Angsana New"/>
+        <a:font script="Ethi" typeface="Nyala"/>
+        <a:font script="Beng" typeface="Vrinda"/>
+        <a:font script="Gujr" typeface="Shruti"/>
+        <a:font script="Khmr" typeface="MoolBoran"/>
+        <a:font script="Knda" typeface="Tunga"/>
+        <a:font script="Guru" typeface="Raavi"/>
+        <a:font script="Cans" typeface="Euphemia"/>
+        <a:font script="Cher" typeface="Plantagenet Cherokee"/>
+        <a:font script="Yiii" typeface="Microsoft Yi Baiti"/>
+        <a:font script="Tibt" typeface="Microsoft Himalaya"/>
+        <a:font script="Thaa" typeface="MV Boli"/>
+        <a:font script="Deva" typeface="Mangal"/>
+        <a:font script="Telu" typeface="Gautami"/>
+        <a:font script="Taml" typeface="Latha"/>
+        <a:font script="Syrc" typeface="Estrangelo Edessa"/>
+        <a:font script="Orya" typeface="Kalinga"/>
+        <a:font script="Mlym" typeface="Kartika"/>
+        <a:font script="Laoo" typeface="DokChampa"/>
+        <a:font script="Sinh" typeface="Iskoola Pota"/>
+        <a:font script="Mong" typeface="Mongolian Baiti"/>
+        <a:font script="Viet" typeface="Times New Roman"/>
+        <a:font script="Uigh" typeface="Microsoft Uighur"/>
+        <a:font script="Geor" typeface="Sylfaen"/>
+        <a:font script="Armn" typeface="Arial"/>
+        <a:font script="Bugi" typeface="Leelawadee UI"/>
+        <a:font script="Bopo" typeface="Microsoft JhengHei"/>
+        <a:font script="Java" typeface="Javanese Text"/>
+        <a:font script="Lisu" typeface="Segoe UI"/>
+        <a:font script="Mymr" typeface="Myanmar Text"/>
+        <a:font script="Nkoo" typeface="Ebrima"/>
+        <a:font script="Olck" typeface="Nirmala UI"/>
+        <a:font script="Osma" typeface="Ebrima"/>
+        <a:font script="Phag" typeface="Phagspa"/>
+        <a:font script="Syrn" typeface="Estrangelo Edessa"/>
+        <a:font script="Syrj" typeface="Estrangelo Edessa"/>
+        <a:font script="Syre" typeface="Estrangelo Edessa"/>
+        <a:font script="Sora" typeface="Nirmala UI"/>
+        <a:font script="Tale" typeface="Microsoft Tai Le"/>
+        <a:font script="Talu" typeface="Microsoft New Tai Lue"/>
+        <a:font script="Tfng" typeface="Ebrima"/>
+      </a:majorFont>
+      <a:minorFont>
+        <a:latin typeface="Calibri" panose="020F0502020204030204"/>
+        <a:ea typeface=""/>
+        <a:cs typeface=""/>
+        <a:font script="Jpan" typeface="游ゴシック"/>
+        <a:font script="Hang" typeface="맑은 고딕"/>
+        <a:font script="Hans" typeface="等线"/>
+        <a:font script="Hant" typeface="新細明體"/>
+        <a:font script="Arab" typeface="Arial"/>
+        <a:font script="Hebr" typeface="Arial"/>
+        <a:font script="Thai" typeface="Cordia New"/>
+        <a:font script="Ethi" typeface="Nyala"/>
+        <a:font script="Beng" typeface="Vrinda"/>
+        <a:font script="Gujr" typeface="Shruti"/>
+        <a:font script="Khmr" typeface="DaunPenh"/>
+        <a:font script="Knda" typeface="Tunga"/>
+        <a:font script="Guru" typeface="Raavi"/>
+        <a:font script="Cans" typeface="Euphemia"/>
+        <a:font script="Cher" typeface="Plantagenet Cherokee"/>
+        <a:font script="Yiii" typeface="Microsoft Yi Baiti"/>
+        <a:font script="Tibt" typeface="Microsoft Himalaya"/>
+        <a:font script="Thaa" typeface="MV Boli"/>
+        <a:font script="Deva" typeface="Mangal"/>
+        <a:font script="Telu" typeface="Gautami"/>
+        <a:font script="Taml" typeface="Latha"/>
+        <a:font script="Syrc" typeface="Estrangelo Edessa"/>
+        <a:font script="Orya" typeface="Kalinga"/>
+        <a:font script="Mlym" typeface="Kartika"/>
+        <a:font script="Laoo" typeface="DokChampa"/>
+        <a:font script="Sinh" typeface="Iskoola Pota"/>
+        <a:font script="Mong" typeface="Mongolian Baiti"/>
+        <a:font script="Viet" typeface="Arial"/>
+        <a:font script="Uigh" typeface="Microsoft Uighur"/>
+        <a:font script="Geor" typeface="Sylfaen"/>
+        <a:font script="Armn" typeface="Arial"/>
+        <a:font script="Bugi" typeface="Leelawadee UI"/>
+        <a:font script="Bopo" typeface="Microsoft JhengHei"/>
+        <a:font script="Java" typeface="Javanese Text"/>
+        <a:font script="Lisu" typeface="Segoe UI"/>
+        <a:font script="Mymr" typeface="Myanmar Text"/>
+        <a:font script="Nkoo" typeface="Ebrima"/>
+        <a:font script="Olck" typeface="Nirmala UI"/>
+        <a:font script="Osma" typeface="Ebrima"/>
+        <a:font script="Phag" typeface="Phagspa"/>
+        <a:font script="Syrn" typeface="Estrangelo Edessa"/>
+        <a:font script="Syrj" typeface="Estrangelo Edessa"/>
+        <a:font script="Syre" typeface="Estrangelo Edessa"/>
+        <a:font script="Sora" typeface="Nirmala UI"/>
+        <a:font script="Tale" typeface="Microsoft Tai Le"/>
+        <a:font script="Talu" typeface="Microsoft New Tai Lue"/>
+        <a:font script="Tfng" typeface="Ebrima"/>
+      </a:minorFont>
+    </a:fontScheme>
+    <a:fmtScheme name="Office">
+      <a:fillStyleLst>
+        <a:solidFill>
+          <a:schemeClr val="phClr"/>
+        </a:solidFill>
+        <a:gradFill rotWithShape="1">
+          <a:gsLst>
+            <a:gs pos="0">
+              <a:schemeClr val="phClr">
+                <a:lumMod val="110000"/>
+                <a:satMod val="105000"/>
+                <a:tint val="67000"/>
+              </a:schemeClr>
+            </a:gs>
+            <a:gs pos="50000">
+              <a:schemeClr val="phClr">
+                <a:lumMod val="105000"/>
+                <a:satMod val="103000"/>
+                <a:tint val="73000"/>
+              </a:schemeClr>
+            </a:gs>
+            <a:gs pos="100000">
+              <a:schemeClr val="phClr">
+                <a:lumMod val="105000"/>
+                <a:satMod val="109000"/>
+                <a:tint val="81000"/>
+              </a:schemeClr>
+            </a:gs>
+          </a:gsLst>
+          <a:lin ang="5400000" scaled="0"/>
+        </a:gradFill>
+        <a:gradFill rotWithShape="1">
+          <a:gsLst>
+            <a:gs pos="0">
+              <a:schemeClr val="phClr">
+                <a:satMod val="103000"/>
+                <a:lumMod val="102000"/>
+                <a:tint val="94000"/>
+              </a:schemeClr>
+            </a:gs>
+            <a:gs pos="50000">
+              <a:schemeClr val="phClr">
+                <a:satMod val="110000"/>
+                <a:lumMod val="100000"/>
+                <a:shade val="100000"/>
+              </a:schemeClr>
+            </a:gs>
+            <a:gs pos="100000">
+              <a:schemeClr val="phClr">
+                <a:lumMod val="99000"/>
+                <a:satMod val="120000"/>
+                <a:shade val="78000"/>
+              </a:schemeClr>
+            </a:gs>
+          </a:gsLst>
+          <a:lin ang="5400000" scaled="0"/>
+        </a:gradFill>
+      </a:fillStyleLst>
+      <a:lnStyleLst>
+        <a:ln w="6350" cap="flat" cmpd="sng" algn="ctr">
+          <a:solidFill>
+            <a:schemeClr val="phClr"/>
+          </a:solidFill>
+          <a:prstDash val="solid"/>
+          <a:miter lim="800000"/>
+        </a:ln>
+        <a:ln w="12700" cap="flat" cmpd="sng" algn="ctr">
+          <a:solidFill>
+            <a:schemeClr val="phClr"/>
+          </a:solidFill>
+          <a:prstDash val="solid"/>
+          <a:miter lim="800000"/>
+        </a:ln>
+        <a:ln w="19050" cap="flat" cmpd="sng" algn="ctr">
+          <a:solidFill>
+            <a:schemeClr val="phClr"/>
+          </a:solidFill>
+          <a:prstDash val="solid"/>
+          <a:miter lim="800000"/>
+        </a:ln>
+      </a:lnStyleLst>
+      <a:effectStyleLst>
+        <a:effectStyle>
+          <a:effectLst/>
+        </a:effectStyle>
+        <a:effectStyle>
+          <a:effectLst/>
+        </a:effectStyle>
+        <a:effectStyle>
+          <a:effectLst>
+            <a:outerShdw blurRad="57150" dist="19050" dir="5400000" algn="ctr" rotWithShape="0">
+              <a:srgbClr val="000000">
+                <a:alpha val="63000"/>
+              </a:srgbClr>
+            </a:outerShdw>
+          </a:effectLst>
+        </a:effectStyle>
+      </a:effectStyleLst>
+      <a:bgFillStyleLst>
+        <a:solidFill>
+          <a:schemeClr val="phClr"/>
+        </a:solidFill>
+        <a:solidFill>
+          <a:schemeClr val="phClr">
+            <a:tint val="95000"/>
+            <a:satMod val="170000"/>
+          </a:schemeClr>
+        </a:solidFill>
+        <a:gradFill rotWithShape="1">
+          <a:gsLst>
+            <a:gs pos="0">
+              <a:schemeClr val="phClr">
+                <a:tint val="93000"/>
+                <a:satMod val="150000"/>
+                <a:shade val="98000"/>
+                <a:lumMod val="102000"/>
+              </a:schemeClr>
+            </a:gs>
+            <a:gs pos="50000">
+              <a:schemeClr val="phClr">
+                <a:tint val="98000"/>
+                <a:satMod val="130000"/>
+                <a:shade val="90000"/>
+                <a:lumMod val="103000"/>
+              </a:schemeClr>
+            </a:gs>
+            <a:gs pos="100000">
+              <a:schemeClr val="phClr">
+                <a:shade val="63000"/>
+                <a:satMod val="120000"/>
+              </a:schemeClr>
+            </a:gs>
+          </a:gsLst>
+          <a:lin ang="5400000" scaled="0"/>
+        </a:gradFill>
+      </a:bgFillStyleLst>
+    </a:fmtScheme>
+  </a:themeElements>
+  <a:objectDefaults/>
+  <a:extraClrSchemeLst/>
+  <a:extLst>
+    <a:ext uri="{05A4C25C-085E-4340-85A3-A5531E510DB2}">
+      <thm15:themeFamily xmlns:thm15="http://schemas.microsoft.com/office/thememl/2012/main" name="Office Theme" id="{62F939B6-93AF-4DB8-9C6B-D6C7DFDC589F}" vid="{4A3C46E8-61CC-4603-A589-7422A47A8E4A}"/>
+    </a:ext>
+  </a:extLst>
+</a:theme>
+</file>
+
 <file path=docMetadata/LabelInfo.xml><?xml version="1.0" encoding="utf-8"?>
 <clbl:labelList xmlns:clbl="http://schemas.microsoft.com/office/2020/mipLabelMetadata">
   <clbl:label id="{f42aa342-8706-4288-bd11-ebb85995028c}" enabled="1" method="Standard" siteId="{72f988bf-86f1-41af-91ab-2d7cd011db47}" removed="0"/>
